--- a/slides/Online/2020/11 - More Loops.pptx
+++ b/slides/Online/2020/11 - More Loops.pptx
@@ -219,7 +219,7 @@
           <a:p>
             <a:fld id="{4D7E51A5-B478-1E40-8CBB-0DAA8831E99D}" type="datetimeFigureOut">
               <a:rPr lang="en-US" smtClean="0"/>
-              <a:t>3/17/20</a:t>
+              <a:t>4/10/20</a:t>
             </a:fld>
             <a:endParaRPr lang="en-US"/>
           </a:p>
@@ -384,7 +384,7 @@
           <a:p>
             <a:fld id="{D0ED587F-861E-6740-9643-E3DDAE89B8D6}" type="datetimeFigureOut">
               <a:rPr lang="en-US" smtClean="0"/>
-              <a:t>3/17/20</a:t>
+              <a:t>4/10/20</a:t>
             </a:fld>
             <a:endParaRPr lang="en-US"/>
           </a:p>
@@ -4277,8 +4277,8 @@
         </p:blipFill>
         <p:spPr>
           <a:xfrm>
-            <a:off x="9827882" y="6733969"/>
-            <a:ext cx="3520440" cy="787424"/>
+            <a:off x="10549792" y="6748665"/>
+            <a:ext cx="3078083" cy="688481"/>
           </a:xfrm>
           <a:prstGeom prst="rect">
             <a:avLst/>
@@ -4299,7 +4299,7 @@
         </p:nvSpPr>
         <p:spPr>
           <a:xfrm>
-            <a:off x="10549054" y="7264322"/>
+            <a:off x="11085087" y="7231207"/>
             <a:ext cx="2497873" cy="276999"/>
           </a:xfrm>
           <a:prstGeom prst="rect">
@@ -4338,8 +4338,8 @@
         </p:nvSpPr>
         <p:spPr>
           <a:xfrm>
-            <a:off x="9287446" y="7508206"/>
-            <a:ext cx="4601311" cy="246221"/>
+            <a:off x="10549792" y="7508206"/>
+            <a:ext cx="3338965" cy="215444"/>
           </a:xfrm>
           <a:prstGeom prst="rect">
             <a:avLst/>
@@ -4360,7 +4360,7 @@
               </a:spcAft>
             </a:pPr>
             <a:r>
-              <a:rPr lang="en-US" sz="1000" b="0" i="0" u="none" strike="noStrike" dirty="0">
+              <a:rPr lang="en-US" sz="800" b="0" i="0" u="none" strike="noStrike" dirty="0">
                 <a:solidFill>
                   <a:srgbClr val="7F7F7F"/>
                 </a:solidFill>
@@ -4370,7 +4370,7 @@
               <a:t>Slides Originally Created by Albert Lionelle (</a:t>
             </a:r>
             <a:r>
-              <a:rPr lang="en-US" sz="1000" b="0" i="0" u="none" strike="noStrike" dirty="0" err="1">
+              <a:rPr lang="en-US" sz="800" b="0" i="0" u="none" strike="noStrike" dirty="0" err="1">
                 <a:solidFill>
                   <a:srgbClr val="7F7F7F"/>
                 </a:solidFill>
@@ -4380,7 +4380,7 @@
               <a:t>Albert.Lionelle@colostate.edu</a:t>
             </a:r>
             <a:r>
-              <a:rPr lang="en-US" sz="1000" b="0" i="0" u="none" strike="noStrike" dirty="0">
+              <a:rPr lang="en-US" sz="800" b="0" i="0" u="none" strike="noStrike" dirty="0">
                 <a:solidFill>
                   <a:srgbClr val="7F7F7F"/>
                 </a:solidFill>
@@ -4389,7 +4389,7 @@
               </a:rPr>
               <a:t>)</a:t>
             </a:r>
-            <a:endParaRPr lang="en-US" sz="1000" b="0" dirty="0">
+            <a:endParaRPr lang="en-US" sz="800" b="0" dirty="0">
               <a:solidFill>
                 <a:srgbClr val="7F7F7F"/>
               </a:solidFill>
@@ -7056,7 +7056,7 @@
         </p:nvSpPr>
         <p:spPr>
           <a:xfrm>
-            <a:off x="1986847" y="3140034"/>
+            <a:off x="982136" y="2816579"/>
             <a:ext cx="4301067" cy="1323439"/>
           </a:xfrm>
           <a:prstGeom prst="rect">
@@ -7132,7 +7132,7 @@
         </p:nvSpPr>
         <p:spPr>
           <a:xfrm>
-            <a:off x="7529688" y="3105307"/>
+            <a:off x="7529687" y="2816579"/>
             <a:ext cx="4301067" cy="1323439"/>
           </a:xfrm>
           <a:prstGeom prst="rect">
@@ -7208,7 +7208,7 @@
         </p:nvSpPr>
         <p:spPr>
           <a:xfrm>
-            <a:off x="2836333" y="5004288"/>
+            <a:off x="982136" y="4318335"/>
             <a:ext cx="8144933" cy="1323439"/>
           </a:xfrm>
           <a:prstGeom prst="rect">
@@ -7319,7 +7319,7 @@
         </p:nvSpPr>
         <p:spPr>
           <a:xfrm>
-            <a:off x="6460064" y="5426513"/>
+            <a:off x="4540953" y="4503494"/>
             <a:ext cx="4419602" cy="721604"/>
           </a:xfrm>
           <a:prstGeom prst="leftArrow">
@@ -7365,64 +7365,6 @@
       </p:sp>
       <p:sp>
         <p:nvSpPr>
-          <p:cNvPr id="12" name="Right Arrow 11">
-            <a:extLst>
-              <a:ext uri="{FF2B5EF4-FFF2-40B4-BE49-F238E27FC236}">
-                <a16:creationId xmlns:a16="http://schemas.microsoft.com/office/drawing/2014/main" id="{14F0119A-9DA0-E340-8493-F35A695907FA}"/>
-              </a:ext>
-            </a:extLst>
-          </p:cNvPr>
-          <p:cNvSpPr/>
-          <p:nvPr/>
-        </p:nvSpPr>
-        <p:spPr>
-          <a:xfrm>
-            <a:off x="307620" y="4980055"/>
-            <a:ext cx="2528713" cy="788989"/>
-          </a:xfrm>
-          <a:prstGeom prst="rightArrow">
-            <a:avLst/>
-          </a:prstGeom>
-          <a:solidFill>
-            <a:schemeClr val="accent3"/>
-          </a:solidFill>
-          <a:ln>
-            <a:noFill/>
-          </a:ln>
-          <a:effectLst/>
-        </p:spPr>
-        <p:style>
-          <a:lnRef idx="1">
-            <a:schemeClr val="accent1"/>
-          </a:lnRef>
-          <a:fillRef idx="3">
-            <a:schemeClr val="accent1"/>
-          </a:fillRef>
-          <a:effectRef idx="2">
-            <a:schemeClr val="accent1"/>
-          </a:effectRef>
-          <a:fontRef idx="minor">
-            <a:schemeClr val="lt1"/>
-          </a:fontRef>
-        </p:style>
-        <p:txBody>
-          <a:bodyPr lIns="274320" tIns="182880" rIns="274320" bIns="182880" rtlCol="0" anchor="ctr"/>
-          <a:lstStyle/>
-          <a:p>
-            <a:pPr algn="ctr"/>
-            <a:r>
-              <a:rPr lang="en-US" sz="1400" dirty="0">
-                <a:latin typeface="Proxima Nova" charset="0"/>
-                <a:ea typeface="Proxima Nova" charset="0"/>
-                <a:cs typeface="Proxima Nova" charset="0"/>
-              </a:rPr>
-              <a:t>two spaces together</a:t>
-            </a:r>
-          </a:p>
-        </p:txBody>
-      </p:sp>
-      <p:sp>
-        <p:nvSpPr>
           <p:cNvPr id="13" name="Snip Single Corner Rectangle 12">
             <a:extLst>
               <a:ext uri="{FF2B5EF4-FFF2-40B4-BE49-F238E27FC236}">
@@ -7435,7 +7377,7 @@
         </p:nvSpPr>
         <p:spPr>
           <a:xfrm>
-            <a:off x="3778249" y="6451502"/>
+            <a:off x="1520471" y="5764256"/>
             <a:ext cx="6261100" cy="596900"/>
           </a:xfrm>
           <a:prstGeom prst="snip1Rect">
@@ -7694,7 +7636,7 @@
                                           </p:stCondLst>
                                         </p:cTn>
                                         <p:tgtEl>
-                                          <p:spTgt spid="12"/>
+                                          <p:spTgt spid="11"/>
                                         </p:tgtEl>
                                         <p:attrNameLst>
                                           <p:attrName>style.visibility</p:attrName>
@@ -7708,7 +7650,7 @@
                                       <p:cBhvr>
                                         <p:cTn id="22" dur="500"/>
                                         <p:tgtEl>
-                                          <p:spTgt spid="12"/>
+                                          <p:spTgt spid="11"/>
                                         </p:tgtEl>
                                       </p:cBhvr>
                                     </p:animEffect>
@@ -7747,7 +7689,7 @@
                                           </p:stCondLst>
                                         </p:cTn>
                                         <p:tgtEl>
-                                          <p:spTgt spid="11"/>
+                                          <p:spTgt spid="13"/>
                                         </p:tgtEl>
                                         <p:attrNameLst>
                                           <p:attrName>style.visibility</p:attrName>
@@ -7760,59 +7702,6 @@
                                     <p:animEffect transition="in" filter="dissolve">
                                       <p:cBhvr>
                                         <p:cTn id="27" dur="500"/>
-                                        <p:tgtEl>
-                                          <p:spTgt spid="11"/>
-                                        </p:tgtEl>
-                                      </p:cBhvr>
-                                    </p:animEffect>
-                                  </p:childTnLst>
-                                </p:cTn>
-                              </p:par>
-                            </p:childTnLst>
-                          </p:cTn>
-                        </p:par>
-                      </p:childTnLst>
-                    </p:cTn>
-                  </p:par>
-                  <p:par>
-                    <p:cTn id="28" fill="hold">
-                      <p:stCondLst>
-                        <p:cond delay="indefinite"/>
-                      </p:stCondLst>
-                      <p:childTnLst>
-                        <p:par>
-                          <p:cTn id="29" fill="hold">
-                            <p:stCondLst>
-                              <p:cond delay="0"/>
-                            </p:stCondLst>
-                            <p:childTnLst>
-                              <p:par>
-                                <p:cTn id="30" presetID="9" presetClass="entr" presetSubtype="0" fill="hold" grpId="0" nodeType="clickEffect">
-                                  <p:stCondLst>
-                                    <p:cond delay="0"/>
-                                  </p:stCondLst>
-                                  <p:childTnLst>
-                                    <p:set>
-                                      <p:cBhvr>
-                                        <p:cTn id="31" dur="1" fill="hold">
-                                          <p:stCondLst>
-                                            <p:cond delay="0"/>
-                                          </p:stCondLst>
-                                        </p:cTn>
-                                        <p:tgtEl>
-                                          <p:spTgt spid="13"/>
-                                        </p:tgtEl>
-                                        <p:attrNameLst>
-                                          <p:attrName>style.visibility</p:attrName>
-                                        </p:attrNameLst>
-                                      </p:cBhvr>
-                                      <p:to>
-                                        <p:strVal val="visible"/>
-                                      </p:to>
-                                    </p:set>
-                                    <p:animEffect transition="in" filter="dissolve">
-                                      <p:cBhvr>
-                                        <p:cTn id="32" dur="500"/>
                                         <p:tgtEl>
                                           <p:spTgt spid="13"/>
                                         </p:tgtEl>
@@ -7853,7 +7742,6 @@
       <p:bldP spid="8" grpId="0" animBg="1"/>
       <p:bldP spid="9" grpId="0" animBg="1"/>
       <p:bldP spid="11" grpId="0" animBg="1"/>
-      <p:bldP spid="12" grpId="0" animBg="1"/>
       <p:bldP spid="13" grpId="0" animBg="1"/>
     </p:bldLst>
   </p:timing>
@@ -7958,7 +7846,7 @@
         </p:nvSpPr>
         <p:spPr>
           <a:xfrm>
-            <a:off x="1986847" y="3140034"/>
+            <a:off x="1054100" y="3105323"/>
             <a:ext cx="4921953" cy="830997"/>
           </a:xfrm>
           <a:prstGeom prst="rect">
@@ -8030,7 +7918,7 @@
         </p:nvSpPr>
         <p:spPr>
           <a:xfrm>
-            <a:off x="7529688" y="3105307"/>
+            <a:off x="6964664" y="2794964"/>
             <a:ext cx="5233812" cy="1323439"/>
           </a:xfrm>
           <a:prstGeom prst="rect">
@@ -8218,7 +8106,7 @@
         </p:nvSpPr>
         <p:spPr>
           <a:xfrm>
-            <a:off x="1986847" y="5028016"/>
+            <a:off x="1054100" y="4802727"/>
             <a:ext cx="4921953" cy="1323439"/>
           </a:xfrm>
           <a:prstGeom prst="rect">
@@ -8322,7 +8210,7 @@
         </p:nvSpPr>
         <p:spPr>
           <a:xfrm>
-            <a:off x="8922910" y="5171607"/>
+            <a:off x="7401091" y="4584274"/>
             <a:ext cx="440458" cy="440458"/>
           </a:xfrm>
           <a:prstGeom prst="rect">
@@ -8377,7 +8265,7 @@
         </p:nvSpPr>
         <p:spPr>
           <a:xfrm>
-            <a:off x="9363368" y="5171607"/>
+            <a:off x="7841549" y="4584274"/>
             <a:ext cx="440458" cy="440458"/>
           </a:xfrm>
           <a:prstGeom prst="rect">
@@ -8432,7 +8320,7 @@
         </p:nvSpPr>
         <p:spPr>
           <a:xfrm>
-            <a:off x="9803826" y="5171607"/>
+            <a:off x="8282007" y="4584274"/>
             <a:ext cx="440458" cy="440458"/>
           </a:xfrm>
           <a:prstGeom prst="rect">
@@ -8487,7 +8375,7 @@
         </p:nvSpPr>
         <p:spPr>
           <a:xfrm>
-            <a:off x="10244284" y="5171607"/>
+            <a:off x="8722465" y="4584274"/>
             <a:ext cx="440458" cy="440458"/>
           </a:xfrm>
           <a:prstGeom prst="rect">
@@ -8542,7 +8430,7 @@
         </p:nvSpPr>
         <p:spPr>
           <a:xfrm>
-            <a:off x="8203138" y="5228510"/>
+            <a:off x="6681319" y="4641177"/>
             <a:ext cx="649376" cy="338554"/>
           </a:xfrm>
           <a:prstGeom prst="rect">
@@ -8580,7 +8468,7 @@
         </p:nvSpPr>
         <p:spPr>
           <a:xfrm>
-            <a:off x="8203138" y="5644598"/>
+            <a:off x="6681319" y="5057265"/>
             <a:ext cx="649376" cy="338554"/>
           </a:xfrm>
           <a:prstGeom prst="rect">
@@ -8618,7 +8506,7 @@
         </p:nvSpPr>
         <p:spPr>
           <a:xfrm>
-            <a:off x="8203138" y="6060686"/>
+            <a:off x="6681319" y="5473353"/>
             <a:ext cx="649376" cy="338554"/>
           </a:xfrm>
           <a:prstGeom prst="rect">
@@ -8656,7 +8544,7 @@
         </p:nvSpPr>
         <p:spPr>
           <a:xfrm>
-            <a:off x="8203138" y="6476774"/>
+            <a:off x="6681319" y="5889441"/>
             <a:ext cx="649376" cy="338554"/>
           </a:xfrm>
           <a:prstGeom prst="rect">
@@ -8694,7 +8582,7 @@
         </p:nvSpPr>
         <p:spPr>
           <a:xfrm>
-            <a:off x="8922910" y="5611321"/>
+            <a:off x="7401091" y="5023988"/>
             <a:ext cx="440458" cy="440458"/>
           </a:xfrm>
           <a:prstGeom prst="rect">
@@ -8749,7 +8637,7 @@
         </p:nvSpPr>
         <p:spPr>
           <a:xfrm>
-            <a:off x="9363368" y="5611321"/>
+            <a:off x="7841549" y="5023988"/>
             <a:ext cx="440458" cy="440458"/>
           </a:xfrm>
           <a:prstGeom prst="rect">
@@ -8804,7 +8692,7 @@
         </p:nvSpPr>
         <p:spPr>
           <a:xfrm>
-            <a:off x="9803826" y="5611321"/>
+            <a:off x="8282007" y="5023988"/>
             <a:ext cx="440458" cy="440458"/>
           </a:xfrm>
           <a:prstGeom prst="rect">
@@ -8859,7 +8747,7 @@
         </p:nvSpPr>
         <p:spPr>
           <a:xfrm>
-            <a:off x="10244284" y="5611321"/>
+            <a:off x="8722465" y="5023988"/>
             <a:ext cx="440458" cy="440458"/>
           </a:xfrm>
           <a:prstGeom prst="rect">
@@ -8914,7 +8802,7 @@
         </p:nvSpPr>
         <p:spPr>
           <a:xfrm>
-            <a:off x="8921188" y="6046611"/>
+            <a:off x="7399369" y="5459278"/>
             <a:ext cx="440458" cy="440458"/>
           </a:xfrm>
           <a:prstGeom prst="rect">
@@ -8969,7 +8857,7 @@
         </p:nvSpPr>
         <p:spPr>
           <a:xfrm>
-            <a:off x="9361646" y="6046611"/>
+            <a:off x="7839827" y="5459278"/>
             <a:ext cx="440458" cy="440458"/>
           </a:xfrm>
           <a:prstGeom prst="rect">
@@ -9024,7 +8912,7 @@
         </p:nvSpPr>
         <p:spPr>
           <a:xfrm>
-            <a:off x="9800358" y="6046611"/>
+            <a:off x="8278539" y="5459278"/>
             <a:ext cx="440458" cy="440458"/>
           </a:xfrm>
           <a:prstGeom prst="rect">
@@ -9079,7 +8967,7 @@
         </p:nvSpPr>
         <p:spPr>
           <a:xfrm>
-            <a:off x="10240816" y="6046611"/>
+            <a:off x="8718997" y="5459278"/>
             <a:ext cx="440458" cy="440458"/>
           </a:xfrm>
           <a:prstGeom prst="rect">
@@ -9134,7 +9022,7 @@
         </p:nvSpPr>
         <p:spPr>
           <a:xfrm>
-            <a:off x="8922800" y="6476774"/>
+            <a:off x="7400981" y="5889441"/>
             <a:ext cx="440458" cy="440458"/>
           </a:xfrm>
           <a:prstGeom prst="rect">
@@ -9189,7 +9077,7 @@
         </p:nvSpPr>
         <p:spPr>
           <a:xfrm>
-            <a:off x="9361341" y="6476774"/>
+            <a:off x="7839522" y="5889441"/>
             <a:ext cx="440458" cy="440458"/>
           </a:xfrm>
           <a:prstGeom prst="rect">
@@ -9244,7 +9132,7 @@
         </p:nvSpPr>
         <p:spPr>
           <a:xfrm>
-            <a:off x="9800358" y="6476774"/>
+            <a:off x="8278539" y="5889441"/>
             <a:ext cx="440458" cy="440458"/>
           </a:xfrm>
           <a:prstGeom prst="rect">
@@ -9299,7 +9187,7 @@
         </p:nvSpPr>
         <p:spPr>
           <a:xfrm>
-            <a:off x="10239253" y="6476774"/>
+            <a:off x="8717434" y="5889441"/>
             <a:ext cx="440458" cy="440458"/>
           </a:xfrm>
           <a:prstGeom prst="rect">
@@ -9354,7 +9242,7 @@
         </p:nvSpPr>
         <p:spPr>
           <a:xfrm>
-            <a:off x="9009812" y="4809555"/>
+            <a:off x="7487993" y="4222222"/>
             <a:ext cx="272418" cy="338554"/>
           </a:xfrm>
           <a:prstGeom prst="rect">
@@ -9392,7 +9280,7 @@
         </p:nvSpPr>
         <p:spPr>
           <a:xfrm>
-            <a:off x="8605872" y="4809555"/>
+            <a:off x="7084053" y="4222222"/>
             <a:ext cx="463210" cy="338554"/>
           </a:xfrm>
           <a:prstGeom prst="rect">
@@ -9430,7 +9318,7 @@
         </p:nvSpPr>
         <p:spPr>
           <a:xfrm>
-            <a:off x="9399848" y="4809555"/>
+            <a:off x="7878029" y="4222222"/>
             <a:ext cx="272418" cy="338554"/>
           </a:xfrm>
           <a:prstGeom prst="rect">
@@ -9468,7 +9356,7 @@
         </p:nvSpPr>
         <p:spPr>
           <a:xfrm>
-            <a:off x="9830770" y="4809555"/>
+            <a:off x="8308951" y="4222222"/>
             <a:ext cx="272418" cy="338554"/>
           </a:xfrm>
           <a:prstGeom prst="rect">
@@ -9506,7 +9394,7 @@
         </p:nvSpPr>
         <p:spPr>
           <a:xfrm>
-            <a:off x="10319756" y="4809555"/>
+            <a:off x="8797937" y="4222222"/>
             <a:ext cx="272418" cy="338554"/>
           </a:xfrm>
           <a:prstGeom prst="rect">
@@ -12155,7 +12043,7 @@
         </p:nvSpPr>
         <p:spPr>
           <a:xfrm>
-            <a:off x="3815556" y="4586288"/>
+            <a:off x="880444" y="4179835"/>
             <a:ext cx="6186488" cy="1815882"/>
           </a:xfrm>
           <a:prstGeom prst="rect">
@@ -12319,7 +12207,7 @@
         </p:nvSpPr>
         <p:spPr>
           <a:xfrm>
-            <a:off x="4308476" y="6494417"/>
+            <a:off x="1641650" y="6149531"/>
             <a:ext cx="4664076" cy="628650"/>
           </a:xfrm>
           <a:prstGeom prst="snip1Rect">
@@ -12359,80 +12247,6 @@
                 <a:cs typeface="Proxima Nova" charset="0"/>
               </a:rPr>
               <a:t>Please enter a number: </a:t>
-            </a:r>
-          </a:p>
-        </p:txBody>
-      </p:sp>
-      <p:sp>
-        <p:nvSpPr>
-          <p:cNvPr id="7" name="Left Arrow 6">
-            <a:extLst>
-              <a:ext uri="{FF2B5EF4-FFF2-40B4-BE49-F238E27FC236}">
-                <a16:creationId xmlns:a16="http://schemas.microsoft.com/office/drawing/2014/main" id="{962EDA92-7EF7-FA4F-BB24-F4FB1205AD9F}"/>
-              </a:ext>
-            </a:extLst>
-          </p:cNvPr>
-          <p:cNvSpPr/>
-          <p:nvPr/>
-        </p:nvSpPr>
-        <p:spPr>
-          <a:xfrm>
-            <a:off x="9359106" y="6393780"/>
-            <a:ext cx="3571082" cy="829924"/>
-          </a:xfrm>
-          <a:prstGeom prst="leftArrow">
-            <a:avLst/>
-          </a:prstGeom>
-          <a:solidFill>
-            <a:schemeClr val="accent1"/>
-          </a:solidFill>
-          <a:ln>
-            <a:noFill/>
-          </a:ln>
-          <a:effectLst/>
-        </p:spPr>
-        <p:style>
-          <a:lnRef idx="1">
-            <a:schemeClr val="accent1"/>
-          </a:lnRef>
-          <a:fillRef idx="3">
-            <a:schemeClr val="accent1"/>
-          </a:fillRef>
-          <a:effectRef idx="2">
-            <a:schemeClr val="accent1"/>
-          </a:effectRef>
-          <a:fontRef idx="minor">
-            <a:schemeClr val="lt1"/>
-          </a:fontRef>
-        </p:style>
-        <p:txBody>
-          <a:bodyPr lIns="274320" tIns="182880" rIns="274320" bIns="182880" rtlCol="0" anchor="ctr"/>
-          <a:lstStyle/>
-          <a:p>
-            <a:pPr algn="ctr"/>
-            <a:r>
-              <a:rPr lang="en-US" sz="1400" dirty="0">
-                <a:latin typeface="Proxima Nova" charset="0"/>
-                <a:ea typeface="Proxima Nova" charset="0"/>
-                <a:cs typeface="Proxima Nova" charset="0"/>
-              </a:rPr>
-              <a:t>Will always print this </a:t>
-            </a:r>
-            <a:r>
-              <a:rPr lang="en-US" sz="1400" b="1" dirty="0">
-                <a:latin typeface="Proxima Nova" charset="0"/>
-                <a:ea typeface="Proxima Nova" charset="0"/>
-                <a:cs typeface="Proxima Nova" charset="0"/>
-              </a:rPr>
-              <a:t>at least</a:t>
-            </a:r>
-            <a:r>
-              <a:rPr lang="en-US" sz="1400" dirty="0">
-                <a:latin typeface="Proxima Nova" charset="0"/>
-                <a:ea typeface="Proxima Nova" charset="0"/>
-                <a:cs typeface="Proxima Nova" charset="0"/>
-              </a:rPr>
-              <a:t> once</a:t>
             </a:r>
           </a:p>
         </p:txBody>
@@ -12570,50 +12384,6 @@
                             </p:childTnLst>
                           </p:cTn>
                         </p:par>
-                        <p:par>
-                          <p:cTn id="13" fill="hold">
-                            <p:stCondLst>
-                              <p:cond delay="500"/>
-                            </p:stCondLst>
-                            <p:childTnLst>
-                              <p:par>
-                                <p:cTn id="14" presetID="9" presetClass="entr" presetSubtype="0" fill="hold" grpId="0" nodeType="afterEffect">
-                                  <p:stCondLst>
-                                    <p:cond delay="0"/>
-                                  </p:stCondLst>
-                                  <p:childTnLst>
-                                    <p:set>
-                                      <p:cBhvr>
-                                        <p:cTn id="15" dur="1" fill="hold">
-                                          <p:stCondLst>
-                                            <p:cond delay="0"/>
-                                          </p:stCondLst>
-                                        </p:cTn>
-                                        <p:tgtEl>
-                                          <p:spTgt spid="7"/>
-                                        </p:tgtEl>
-                                        <p:attrNameLst>
-                                          <p:attrName>style.visibility</p:attrName>
-                                        </p:attrNameLst>
-                                      </p:cBhvr>
-                                      <p:to>
-                                        <p:strVal val="visible"/>
-                                      </p:to>
-                                    </p:set>
-                                    <p:animEffect transition="in" filter="dissolve">
-                                      <p:cBhvr>
-                                        <p:cTn id="16" dur="500"/>
-                                        <p:tgtEl>
-                                          <p:spTgt spid="7"/>
-                                        </p:tgtEl>
-                                      </p:cBhvr>
-                                    </p:animEffect>
-                                  </p:childTnLst>
-                                </p:cTn>
-                              </p:par>
-                            </p:childTnLst>
-                          </p:cTn>
-                        </p:par>
                       </p:childTnLst>
                     </p:cTn>
                   </p:par>
@@ -12641,7 +12411,6 @@
     <p:bldLst>
       <p:bldP spid="5" grpId="0" animBg="1"/>
       <p:bldP spid="6" grpId="0" animBg="1"/>
-      <p:bldP spid="7" grpId="0" animBg="1"/>
     </p:bldLst>
   </p:timing>
 </p:sld>
@@ -13054,44 +12823,6 @@
                 <a:cs typeface="Proxima Nova" charset="0"/>
               </a:rPr>
               <a:t>13579</a:t>
-            </a:r>
-          </a:p>
-        </p:txBody>
-      </p:sp>
-      <p:sp>
-        <p:nvSpPr>
-          <p:cNvPr id="8" name="TextBox 7">
-            <a:extLst>
-              <a:ext uri="{FF2B5EF4-FFF2-40B4-BE49-F238E27FC236}">
-                <a16:creationId xmlns:a16="http://schemas.microsoft.com/office/drawing/2014/main" id="{F2630333-2A80-1242-871B-DD72F632A925}"/>
-              </a:ext>
-            </a:extLst>
-          </p:cNvPr>
-          <p:cNvSpPr txBox="1"/>
-          <p:nvPr/>
-        </p:nvSpPr>
-        <p:spPr>
-          <a:xfrm>
-            <a:off x="8158163" y="4997409"/>
-            <a:ext cx="4171950" cy="707886"/>
-          </a:xfrm>
-          <a:prstGeom prst="rect">
-            <a:avLst/>
-          </a:prstGeom>
-          <a:noFill/>
-        </p:spPr>
-        <p:txBody>
-          <a:bodyPr wrap="square" rtlCol="0">
-            <a:spAutoFit/>
-          </a:bodyPr>
-          <a:lstStyle/>
-          <a:p>
-            <a:r>
-              <a:rPr lang="en-US" dirty="0">
-                <a:latin typeface="Microsoft Sans Serif" panose="020B0604020202020204" pitchFamily="34" charset="0"/>
-                <a:cs typeface="Microsoft Sans Serif" panose="020B0604020202020204" pitchFamily="34" charset="0"/>
-              </a:rPr>
-              <a:t>Good to know for now, but first just focus on understanding loops</a:t>
             </a:r>
           </a:p>
         </p:txBody>
@@ -13326,67 +13057,6 @@
                                         <p:cTn id="22" dur="500"/>
                                         <p:tgtEl>
                                           <p:spTgt spid="7"/>
-                                        </p:tgtEl>
-                                      </p:cBhvr>
-                                    </p:animEffect>
-                                  </p:childTnLst>
-                                </p:cTn>
-                              </p:par>
-                            </p:childTnLst>
-                          </p:cTn>
-                        </p:par>
-                      </p:childTnLst>
-                    </p:cTn>
-                  </p:par>
-                  <p:par>
-                    <p:cTn id="23" fill="hold">
-                      <p:stCondLst>
-                        <p:cond delay="indefinite"/>
-                      </p:stCondLst>
-                      <p:childTnLst>
-                        <p:par>
-                          <p:cTn id="24" fill="hold">
-                            <p:stCondLst>
-                              <p:cond delay="0"/>
-                            </p:stCondLst>
-                            <p:childTnLst>
-                              <p:par>
-                                <p:cTn id="25" presetID="9" presetClass="entr" presetSubtype="0" fill="hold" nodeType="clickEffect">
-                                  <p:stCondLst>
-                                    <p:cond delay="0"/>
-                                  </p:stCondLst>
-                                  <p:childTnLst>
-                                    <p:set>
-                                      <p:cBhvr>
-                                        <p:cTn id="26" dur="1" fill="hold">
-                                          <p:stCondLst>
-                                            <p:cond delay="0"/>
-                                          </p:stCondLst>
-                                        </p:cTn>
-                                        <p:tgtEl>
-                                          <p:spTgt spid="8">
-                                            <p:txEl>
-                                              <p:pRg st="0" end="0"/>
-                                            </p:txEl>
-                                          </p:spTgt>
-                                        </p:tgtEl>
-                                        <p:attrNameLst>
-                                          <p:attrName>style.visibility</p:attrName>
-                                        </p:attrNameLst>
-                                      </p:cBhvr>
-                                      <p:to>
-                                        <p:strVal val="visible"/>
-                                      </p:to>
-                                    </p:set>
-                                    <p:animEffect transition="in" filter="dissolve">
-                                      <p:cBhvr>
-                                        <p:cTn id="27" dur="500"/>
-                                        <p:tgtEl>
-                                          <p:spTgt spid="8">
-                                            <p:txEl>
-                                              <p:pRg st="0" end="0"/>
-                                            </p:txEl>
-                                          </p:spTgt>
                                         </p:tgtEl>
                                       </p:cBhvr>
                                     </p:animEffect>

--- a/slides/Online/2020/11 - More Loops.pptx
+++ b/slides/Online/2020/11 - More Loops.pptx
@@ -219,7 +219,7 @@
           <a:p>
             <a:fld id="{4D7E51A5-B478-1E40-8CBB-0DAA8831E99D}" type="datetimeFigureOut">
               <a:rPr lang="en-US" smtClean="0"/>
-              <a:t>4/10/20</a:t>
+              <a:t>4/11/20</a:t>
             </a:fld>
             <a:endParaRPr lang="en-US"/>
           </a:p>
@@ -384,7 +384,7 @@
           <a:p>
             <a:fld id="{D0ED587F-861E-6740-9643-E3DDAE89B8D6}" type="datetimeFigureOut">
               <a:rPr lang="en-US" smtClean="0"/>
-              <a:t>4/10/20</a:t>
+              <a:t>4/11/20</a:t>
             </a:fld>
             <a:endParaRPr lang="en-US"/>
           </a:p>
@@ -12101,7 +12101,7 @@
                 <a:latin typeface="Consolas" panose="020B0609020204030204" pitchFamily="49" charset="0"/>
                 <a:cs typeface="Consolas" panose="020B0609020204030204" pitchFamily="49" charset="0"/>
               </a:rPr>
-              <a:t>int  x = 10;</a:t>
+              <a:t>int x;</a:t>
             </a:r>
           </a:p>
           <a:p>
